--- a/docs/images/Orders table.pptx
+++ b/docs/images/Orders table.pptx
@@ -10,6 +10,7 @@
     <p:sldId id="262" r:id="rId5"/>
     <p:sldId id="257" r:id="rId6"/>
     <p:sldId id="258" r:id="rId7"/>
+    <p:sldId id="265" r:id="rId8"/>
   </p:sldIdLst>
   <p:sldSz cx="12192000" cy="6858000"/>
   <p:notesSz cx="7103745" cy="10234295"/>
@@ -6767,6 +6768,324 @@
 </p:sld>
 </file>
 
+<file path=ppt/slides/slide6.xml><?xml version="1.0" encoding="utf-8"?>
+<p:sld xmlns:a="http://schemas.openxmlformats.org/drawingml/2006/main" xmlns:r="http://schemas.openxmlformats.org/officeDocument/2006/relationships" xmlns:p="http://schemas.openxmlformats.org/presentationml/2006/main">
+  <p:cSld>
+    <p:spTree>
+      <p:nvGrpSpPr>
+        <p:cNvPr id="1" name=""/>
+        <p:cNvGrpSpPr/>
+        <p:nvPr/>
+      </p:nvGrpSpPr>
+      <p:grpSpPr/>
+      <p:graphicFrame>
+        <p:nvGraphicFramePr>
+          <p:cNvPr id="4" name="表格 3"/>
+          <p:cNvGraphicFramePr/>
+          <p:nvPr>
+            <p:custDataLst>
+              <p:tags r:id="rId1"/>
+            </p:custDataLst>
+          </p:nvPr>
+        </p:nvGraphicFramePr>
+        <p:xfrm>
+          <a:off x="1281430" y="2570480"/>
+          <a:ext cx="9161780" cy="1097280"/>
+        </p:xfrm>
+        <a:graphic>
+          <a:graphicData uri="http://schemas.openxmlformats.org/drawingml/2006/table">
+            <a:tbl>
+              <a:tblPr firstRow="1">
+                <a:tableStyleId>{5C22544A-7EE6-4342-B048-85BDC9FD1C3A}</a:tableStyleId>
+              </a:tblPr>
+              <a:tblGrid>
+                <a:gridCol w="1021080"/>
+                <a:gridCol w="920115"/>
+                <a:gridCol w="1949450"/>
+                <a:gridCol w="2194560"/>
+                <a:gridCol w="3076575"/>
+              </a:tblGrid>
+              <a:tr h="365760">
+                <a:tc>
+                  <a:txBody>
+                    <a:bodyPr/>
+                    <a:p>
+                      <a:pPr algn="ctr">
+                        <a:buNone/>
+                      </a:pPr>
+                      <a:r>
+                        <a:rPr lang="zh-CN" altLang="en-US" sz="1600"/>
+                        <a:t>用户名</a:t>
+                      </a:r>
+                      <a:endParaRPr lang="zh-CN" altLang="en-US" sz="1600"/>
+                    </a:p>
+                  </a:txBody>
+                  <a:tcPr/>
+                </a:tc>
+                <a:tc>
+                  <a:txBody>
+                    <a:bodyPr/>
+                    <a:p>
+                      <a:pPr algn="ctr">
+                        <a:buNone/>
+                      </a:pPr>
+                      <a:r>
+                        <a:rPr lang="zh-CN" altLang="en-US" sz="1600"/>
+                        <a:t>表名</a:t>
+                      </a:r>
+                      <a:endParaRPr lang="zh-CN" altLang="en-US" sz="1600"/>
+                    </a:p>
+                  </a:txBody>
+                  <a:tcPr/>
+                </a:tc>
+                <a:tc>
+                  <a:txBody>
+                    <a:bodyPr/>
+                    <a:p>
+                      <a:pPr algn="ctr">
+                        <a:buNone/>
+                      </a:pPr>
+                      <a:r>
+                        <a:rPr lang="zh-CN" altLang="en-US" sz="1600"/>
+                        <a:t>字段名</a:t>
+                      </a:r>
+                      <a:endParaRPr lang="zh-CN" altLang="en-US" sz="1600"/>
+                    </a:p>
+                  </a:txBody>
+                  <a:tcPr/>
+                </a:tc>
+                <a:tc>
+                  <a:txBody>
+                    <a:bodyPr/>
+                    <a:p>
+                      <a:pPr algn="ctr">
+                        <a:buNone/>
+                      </a:pPr>
+                      <a:r>
+                        <a:rPr lang="zh-CN" altLang="en-US" sz="1600"/>
+                        <a:t>脱敏条件</a:t>
+                      </a:r>
+                      <a:endParaRPr lang="zh-CN" altLang="en-US" sz="1600"/>
+                    </a:p>
+                  </a:txBody>
+                  <a:tcPr/>
+                </a:tc>
+                <a:tc>
+                  <a:txBody>
+                    <a:bodyPr/>
+                    <a:p>
+                      <a:pPr algn="ctr">
+                        <a:buNone/>
+                      </a:pPr>
+                      <a:r>
+                        <a:rPr lang="zh-CN" altLang="en-US" sz="1600"/>
+                        <a:t>备注</a:t>
+                      </a:r>
+                      <a:endParaRPr lang="zh-CN" altLang="en-US" sz="1600"/>
+                    </a:p>
+                  </a:txBody>
+                  <a:tcPr/>
+                </a:tc>
+              </a:tr>
+              <a:tr h="365760">
+                <a:tc>
+                  <a:txBody>
+                    <a:bodyPr/>
+                    <a:p>
+                      <a:pPr>
+                        <a:buNone/>
+                      </a:pPr>
+                      <a:r>
+                        <a:rPr lang="zh-CN" altLang="en-US" sz="1600"/>
+                        <a:t>用户</a:t>
+                      </a:r>
+                      <a:r>
+                        <a:rPr lang="en-US" altLang="zh-CN" sz="1600"/>
+                        <a:t>A</a:t>
+                      </a:r>
+                      <a:endParaRPr lang="en-US" altLang="zh-CN" sz="1600"/>
+                    </a:p>
+                  </a:txBody>
+                  <a:tcPr/>
+                </a:tc>
+                <a:tc>
+                  <a:txBody>
+                    <a:bodyPr/>
+                    <a:p>
+                      <a:pPr>
+                        <a:buNone/>
+                      </a:pPr>
+                      <a:r>
+                        <a:rPr lang="en-US" altLang="zh-CN" sz="1600"/>
+                        <a:t>orders</a:t>
+                      </a:r>
+                      <a:endParaRPr lang="en-US" altLang="zh-CN" sz="1600"/>
+                    </a:p>
+                  </a:txBody>
+                  <a:tcPr/>
+                </a:tc>
+                <a:tc>
+                  <a:txBody>
+                    <a:bodyPr/>
+                    <a:p>
+                      <a:pPr>
+                        <a:buNone/>
+                      </a:pPr>
+                      <a:r>
+                        <a:rPr lang="zh-CN" altLang="en-US" sz="1600"/>
+                        <a:t>customer_name</a:t>
+                      </a:r>
+                      <a:endParaRPr lang="zh-CN" altLang="en-US" sz="1600"/>
+                    </a:p>
+                  </a:txBody>
+                  <a:tcPr/>
+                </a:tc>
+                <a:tc>
+                  <a:txBody>
+                    <a:bodyPr/>
+                    <a:p>
+                      <a:pPr>
+                        <a:buNone/>
+                      </a:pPr>
+                      <a:r>
+                        <a:rPr lang="zh-CN" altLang="en-US" sz="1400"/>
+                        <a:t>MASK</a:t>
+                      </a:r>
+                      <a:endParaRPr lang="zh-CN" altLang="en-US" sz="1400"/>
+                    </a:p>
+                  </a:txBody>
+                  <a:tcPr/>
+                </a:tc>
+                <a:tc>
+                  <a:txBody>
+                    <a:bodyPr/>
+                    <a:p>
+                      <a:pPr>
+                        <a:buNone/>
+                      </a:pPr>
+                      <a:r>
+                        <a:rPr lang="zh-CN" altLang="en-US" sz="1600"/>
+                        <a:t>掩盖全部字符</a:t>
+                      </a:r>
+                      <a:endParaRPr lang="zh-CN" altLang="en-US" sz="1600"/>
+                    </a:p>
+                  </a:txBody>
+                  <a:tcPr/>
+                </a:tc>
+              </a:tr>
+              <a:tr h="365760">
+                <a:tc>
+                  <a:txBody>
+                    <a:bodyPr/>
+                    <a:p>
+                      <a:pPr algn="l">
+                        <a:buClrTx/>
+                        <a:buSzTx/>
+                        <a:buFontTx/>
+                        <a:buNone/>
+                      </a:pPr>
+                      <a:r>
+                        <a:rPr lang="en-US" altLang="zh-CN" sz="1600"/>
+                        <a:t>用户B</a:t>
+                      </a:r>
+                      <a:endParaRPr lang="en-US" altLang="zh-CN" sz="1600"/>
+                    </a:p>
+                  </a:txBody>
+                  <a:tcPr/>
+                </a:tc>
+                <a:tc>
+                  <a:txBody>
+                    <a:bodyPr/>
+                    <a:p>
+                      <a:pPr algn="l">
+                        <a:buClrTx/>
+                        <a:buSzTx/>
+                        <a:buFontTx/>
+                        <a:buNone/>
+                      </a:pPr>
+                      <a:r>
+                        <a:rPr lang="en-US" altLang="zh-CN" sz="1600">
+                          <a:sym typeface="+mn-ea"/>
+                        </a:rPr>
+                        <a:t>orders</a:t>
+                      </a:r>
+                      <a:endParaRPr lang="en-US" altLang="zh-CN" sz="1600">
+                        <a:sym typeface="+mn-ea"/>
+                      </a:endParaRPr>
+                    </a:p>
+                  </a:txBody>
+                  <a:tcPr/>
+                </a:tc>
+                <a:tc>
+                  <a:txBody>
+                    <a:bodyPr/>
+                    <a:p>
+                      <a:pPr algn="l">
+                        <a:buClrTx/>
+                        <a:buSzTx/>
+                        <a:buFontTx/>
+                        <a:buNone/>
+                      </a:pPr>
+                      <a:r>
+                        <a:rPr lang="en-US" altLang="zh-CN" sz="1600"/>
+                        <a:t>customer_name</a:t>
+                      </a:r>
+                      <a:endParaRPr lang="en-US" altLang="zh-CN" sz="1600"/>
+                    </a:p>
+                  </a:txBody>
+                  <a:tcPr/>
+                </a:tc>
+                <a:tc>
+                  <a:txBody>
+                    <a:bodyPr/>
+                    <a:p>
+                      <a:pPr algn="l">
+                        <a:buClrTx/>
+                        <a:buSzTx/>
+                        <a:buFontTx/>
+                        <a:buNone/>
+                      </a:pPr>
+                      <a:r>
+                        <a:rPr lang="en-US" altLang="zh-CN" sz="1400"/>
+                        <a:t>MASK_SHOW_FIRST_4</a:t>
+                      </a:r>
+                      <a:endParaRPr lang="en-US" altLang="zh-CN" sz="1400"/>
+                    </a:p>
+                  </a:txBody>
+                  <a:tcPr/>
+                </a:tc>
+                <a:tc>
+                  <a:txBody>
+                    <a:bodyPr/>
+                    <a:p>
+                      <a:pPr algn="l">
+                        <a:buClrTx/>
+                        <a:buSzTx/>
+                        <a:buFontTx/>
+                        <a:buNone/>
+                      </a:pPr>
+                      <a:r>
+                        <a:rPr lang="en-US" altLang="zh-CN" sz="1600"/>
+                        <a:t>仅显示前4个字符，其他用x代替</a:t>
+                      </a:r>
+                      <a:endParaRPr lang="en-US" altLang="zh-CN" sz="1600"/>
+                    </a:p>
+                  </a:txBody>
+                  <a:tcPr/>
+                </a:tc>
+              </a:tr>
+            </a:tbl>
+          </a:graphicData>
+        </a:graphic>
+      </p:graphicFrame>
+    </p:spTree>
+  </p:cSld>
+  <p:clrMapOvr>
+    <a:masterClrMapping/>
+  </p:clrMapOvr>
+</p:sld>
+</file>
+
 <file path=ppt/tags/tag1.xml><?xml version="1.0" encoding="utf-8"?>
 <p:tagLst xmlns:p="http://schemas.openxmlformats.org/presentationml/2006/main">
   <p:tag name="KSO_WM_UNIT_TABLE_BEAUTIFY" val="smartTable{5d458cd7-4b3b-4fd4-a7c1-cfd83274f5d2}"/>
@@ -6804,6 +7123,14 @@
   <p:tag name="KSO_WM_UNIT_TABLE_BEAUTIFY" val="smartTable{5d458cd7-4b3b-4fd4-a7c1-cfd83274f5d2}"/>
   <p:tag name="TABLE_ENDDRAG_ORIGIN_RECT" val="906*364"/>
   <p:tag name="TABLE_ENDDRAG_RECT" val="33*73*906*322"/>
+</p:tagLst>
+</file>
+
+<file path=ppt/tags/tag6.xml><?xml version="1.0" encoding="utf-8"?>
+<p:tagLst xmlns:p="http://schemas.openxmlformats.org/presentationml/2006/main">
+  <p:tag name="KSO_WM_UNIT_TABLE_BEAUTIFY" val="smartTable{fc0847fd-871d-4817-8bcc-8068f1fa087b}"/>
+  <p:tag name="TABLE_ENDDRAG_ORIGIN_RECT" val="710*103"/>
+  <p:tag name="TABLE_ENDDRAG_RECT" val="100*202*710*103"/>
 </p:tagLst>
 </file>
 
